--- a/slides/iteration_with_purrr_version_02.pptx
+++ b/slides/iteration_with_purrr_version_02.pptx
@@ -22,6 +22,7 @@
     <p:sldId id="270" r:id="rId16"/>
     <p:sldId id="271" r:id="rId17"/>
     <p:sldId id="272" r:id="rId18"/>
+    <p:sldId id="273" r:id="rId19"/>
   </p:sldIdLst>
   <p:sldSz cx="12192000" cy="6858000"/>
   <p:notesSz cx="6858000" cy="9144000"/>
@@ -3443,7 +3444,7 @@
             </a:pPr>
             <a:r>
               <a:rPr/>
-              <a:t>2021-12-19</a:t>
+              <a:t>2021-12-28</a:t>
             </a:r>
           </a:p>
         </p:txBody>
@@ -4351,8 +4352,8 @@
               <a:rPr>
                 <a:latin typeface="Courier"/>
               </a:rPr>
-              <a:t>##     a     b     c     d 
-## -0.07  0.49  0.00  2.21</a:t>
+              <a:t>##    a    b    c    d 
+## 0.38 0.51 0.00 1.96</a:t>
             </a:r>
           </a:p>
           <a:p>
@@ -4594,6 +4595,150 @@
             </a:pPr>
             <a:r>
               <a:rPr/>
+              <a:t>Multiple Inputs</a:t>
+            </a:r>
+          </a:p>
+        </p:txBody>
+      </p:sp>
+      <p:sp>
+        <p:nvSpPr>
+          <p:cNvPr id="3" name="Content Placeholder 2">
+            <a:extLst>
+              <a:ext uri="{FF2B5EF4-FFF2-40B4-BE49-F238E27FC236}">
+                <a16:creationId xmlns:a16="http://schemas.microsoft.com/office/drawing/2014/main" id="{0CE84060-CA26-4E18-AB1F-5C4520C4E4A1}"/>
+              </a:ext>
+            </a:extLst>
+          </p:cNvPr>
+          <p:cNvSpPr>
+            <a:spLocks noGrp="1"/>
+          </p:cNvSpPr>
+          <p:nvPr>
+            <p:ph idx="1"/>
+          </p:nvPr>
+        </p:nvSpPr>
+        <p:spPr/>
+        <p:txBody>
+          <a:bodyPr/>
+          <a:lstStyle/>
+          <a:p>
+            <a:pPr lvl="0" indent="0" marL="0">
+              <a:buNone/>
+            </a:pPr>
+            <a:r>
+              <a:rPr/>
+              <a:t>At times, a problem calls for us to evaluate a function over multiple arguments. Functions from purr such map2 and pmap allow us to do this iteratively similarly to what we’ve done using the map family of functions.</a:t>
+            </a:r>
+          </a:p>
+          <a:p>
+            <a:pPr lvl="0" indent="0">
+              <a:buNone/>
+            </a:pPr>
+            <a:r>
+              <a:rPr>
+                <a:latin typeface="Courier"/>
+              </a:rPr>
+              <a:t>x &lt;- c(1,2,3)
+y &lt;- c(2,4,6)
+map2(x,y,~.x*.y)</a:t>
+            </a:r>
+          </a:p>
+          <a:p>
+            <a:pPr lvl="0" indent="0">
+              <a:buNone/>
+            </a:pPr>
+            <a:r>
+              <a:rPr>
+                <a:latin typeface="Courier"/>
+              </a:rPr>
+              <a:t>## [[1]]
+## [1] 2
+## 
+## [[2]]
+## [1] 8
+## 
+## [[3]]
+## [1] 18</a:t>
+            </a:r>
+          </a:p>
+        </p:txBody>
+      </p:sp>
+      <p:sp>
+        <p:nvSpPr>
+          <p:cNvPr id="6" name="Slide Number Placeholder 5">
+            <a:extLst>
+              <a:ext uri="{FF2B5EF4-FFF2-40B4-BE49-F238E27FC236}">
+                <a16:creationId xmlns:a16="http://schemas.microsoft.com/office/drawing/2014/main" id="{50A9E505-BDA1-4B25-97CF-F0B42C5D701E}"/>
+              </a:ext>
+            </a:extLst>
+          </p:cNvPr>
+          <p:cNvSpPr>
+            <a:spLocks noGrp="1"/>
+          </p:cNvSpPr>
+          <p:nvPr>
+            <p:ph idx="12" sz="quarter" type="sldNum"/>
+          </p:nvPr>
+        </p:nvSpPr>
+        <p:spPr/>
+        <p:txBody>
+          <a:bodyPr/>
+          <a:lstStyle/>
+          <a:p>
+            <a:fld id="{36DA6CAC-05BF-4AF1-AB20-42BAD72448F4}" type="slidenum">
+              <a:rPr lang="en-US" smtClean="0"/>
+              <a:t>‹#›</a:t>
+            </a:fld>
+            <a:endParaRPr lang="en-US"/>
+          </a:p>
+        </p:txBody>
+      </p:sp>
+    </p:spTree>
+  </p:cSld>
+</p:sld>
+</file>
+
+<file path=ppt/slides/slide18.xml><?xml version="1.0" encoding="utf-8"?>
+<p:sld xmlns:a="http://schemas.openxmlformats.org/drawingml/2006/main" xmlns:r="http://schemas.openxmlformats.org/officeDocument/2006/relationships" xmlns:p="http://schemas.openxmlformats.org/presentationml/2006/main">
+  <p:cSld>
+    <p:spTree>
+      <p:nvGrpSpPr>
+        <p:cNvPr id="1" name=""/>
+        <p:cNvGrpSpPr/>
+        <p:nvPr/>
+      </p:nvGrpSpPr>
+      <p:grpSpPr>
+        <a:xfrm>
+          <a:off x="0" y="0"/>
+          <a:ext cx="0" cy="0"/>
+          <a:chOff x="0" y="0"/>
+          <a:chExt cx="0" cy="0"/>
+        </a:xfrm>
+      </p:grpSpPr>
+      <p:sp>
+        <p:nvSpPr>
+          <p:cNvPr id="2" name="Title 1">
+            <a:extLst>
+              <a:ext uri="{FF2B5EF4-FFF2-40B4-BE49-F238E27FC236}">
+                <a16:creationId xmlns:a16="http://schemas.microsoft.com/office/drawing/2014/main" id="{4A7312EB-0433-4B75-BFA3-EDC7DC383CBC}"/>
+              </a:ext>
+            </a:extLst>
+          </p:cNvPr>
+          <p:cNvSpPr>
+            <a:spLocks noGrp="1"/>
+          </p:cNvSpPr>
+          <p:nvPr>
+            <p:ph type="title"/>
+          </p:nvPr>
+        </p:nvSpPr>
+        <p:spPr/>
+        <p:txBody>
+          <a:bodyPr/>
+          <a:lstStyle/>
+          <a:p>
+            <a:pPr lvl="0" indent="0" marL="0">
+              <a:buNone/>
+            </a:pPr>
+            <a:r>
+              <a:rPr/>
               <a:t>Conclusion</a:t>
             </a:r>
           </a:p>
@@ -5240,7 +5385,7 @@
             <a:pPr lvl="0"/>
             <a:r>
               <a:rPr/>
-              <a:t>Knowledge of basic statistical concepts such as confidence intervals and linear models is helpful but not essential.</a:t>
+              <a:t>Knowledge of basic statistical concepts such as confidence intervals and hypothesis tests is helpful but not essential.</a:t>
             </a:r>
           </a:p>
         </p:txBody>
